--- a/SCOTBANK-PRESENTATION.pptx
+++ b/SCOTBANK-PRESENTATION.pptx
@@ -120,6 +120,11 @@
       </a:defRPr>
     </a:lvl9pPr>
   </p:defaultTextStyle>
+  <p:extLst>
+    <p:ext uri="{EFAFB233-063F-42B5-8137-9DF3F51BA10A}">
+      <p15:sldGuideLst xmlns:p15="http://schemas.microsoft.com/office/powerpoint/2012/main"/>
+    </p:ext>
+  </p:extLst>
 </p:presentation>
 </file>
 
@@ -278,7 +283,7 @@
           <a:p>
             <a:fld id="{4C8C653F-3160-46C5-AA11-FBB1E217E221}" type="datetimeFigureOut">
               <a:rPr lang="en-GB" smtClean="0"/>
-              <a:t>19/03/2024</a:t>
+              <a:t>20/03/2024</a:t>
             </a:fld>
             <a:endParaRPr lang="en-GB"/>
           </a:p>
@@ -476,7 +481,7 @@
           <a:p>
             <a:fld id="{4C8C653F-3160-46C5-AA11-FBB1E217E221}" type="datetimeFigureOut">
               <a:rPr lang="en-GB" smtClean="0"/>
-              <a:t>19/03/2024</a:t>
+              <a:t>20/03/2024</a:t>
             </a:fld>
             <a:endParaRPr lang="en-GB"/>
           </a:p>
@@ -684,7 +689,7 @@
           <a:p>
             <a:fld id="{4C8C653F-3160-46C5-AA11-FBB1E217E221}" type="datetimeFigureOut">
               <a:rPr lang="en-GB" smtClean="0"/>
-              <a:t>19/03/2024</a:t>
+              <a:t>20/03/2024</a:t>
             </a:fld>
             <a:endParaRPr lang="en-GB"/>
           </a:p>
@@ -882,7 +887,7 @@
           <a:p>
             <a:fld id="{4C8C653F-3160-46C5-AA11-FBB1E217E221}" type="datetimeFigureOut">
               <a:rPr lang="en-GB" smtClean="0"/>
-              <a:t>19/03/2024</a:t>
+              <a:t>20/03/2024</a:t>
             </a:fld>
             <a:endParaRPr lang="en-GB"/>
           </a:p>
@@ -1157,7 +1162,7 @@
           <a:p>
             <a:fld id="{4C8C653F-3160-46C5-AA11-FBB1E217E221}" type="datetimeFigureOut">
               <a:rPr lang="en-GB" smtClean="0"/>
-              <a:t>19/03/2024</a:t>
+              <a:t>20/03/2024</a:t>
             </a:fld>
             <a:endParaRPr lang="en-GB"/>
           </a:p>
@@ -1422,7 +1427,7 @@
           <a:p>
             <a:fld id="{4C8C653F-3160-46C5-AA11-FBB1E217E221}" type="datetimeFigureOut">
               <a:rPr lang="en-GB" smtClean="0"/>
-              <a:t>19/03/2024</a:t>
+              <a:t>20/03/2024</a:t>
             </a:fld>
             <a:endParaRPr lang="en-GB"/>
           </a:p>
@@ -1834,7 +1839,7 @@
           <a:p>
             <a:fld id="{4C8C653F-3160-46C5-AA11-FBB1E217E221}" type="datetimeFigureOut">
               <a:rPr lang="en-GB" smtClean="0"/>
-              <a:t>19/03/2024</a:t>
+              <a:t>20/03/2024</a:t>
             </a:fld>
             <a:endParaRPr lang="en-GB"/>
           </a:p>
@@ -1975,7 +1980,7 @@
           <a:p>
             <a:fld id="{4C8C653F-3160-46C5-AA11-FBB1E217E221}" type="datetimeFigureOut">
               <a:rPr lang="en-GB" smtClean="0"/>
-              <a:t>19/03/2024</a:t>
+              <a:t>20/03/2024</a:t>
             </a:fld>
             <a:endParaRPr lang="en-GB"/>
           </a:p>
@@ -2088,7 +2093,7 @@
           <a:p>
             <a:fld id="{4C8C653F-3160-46C5-AA11-FBB1E217E221}" type="datetimeFigureOut">
               <a:rPr lang="en-GB" smtClean="0"/>
-              <a:t>19/03/2024</a:t>
+              <a:t>20/03/2024</a:t>
             </a:fld>
             <a:endParaRPr lang="en-GB"/>
           </a:p>
@@ -2399,7 +2404,7 @@
           <a:p>
             <a:fld id="{4C8C653F-3160-46C5-AA11-FBB1E217E221}" type="datetimeFigureOut">
               <a:rPr lang="en-GB" smtClean="0"/>
-              <a:t>19/03/2024</a:t>
+              <a:t>20/03/2024</a:t>
             </a:fld>
             <a:endParaRPr lang="en-GB"/>
           </a:p>
@@ -2687,7 +2692,7 @@
           <a:p>
             <a:fld id="{4C8C653F-3160-46C5-AA11-FBB1E217E221}" type="datetimeFigureOut">
               <a:rPr lang="en-GB" smtClean="0"/>
-              <a:t>19/03/2024</a:t>
+              <a:t>20/03/2024</a:t>
             </a:fld>
             <a:endParaRPr lang="en-GB"/>
           </a:p>
@@ -2928,7 +2933,7 @@
           <a:p>
             <a:fld id="{4C8C653F-3160-46C5-AA11-FBB1E217E221}" type="datetimeFigureOut">
               <a:rPr lang="en-GB" smtClean="0"/>
-              <a:t>19/03/2024</a:t>
+              <a:t>20/03/2024</a:t>
             </a:fld>
             <a:endParaRPr lang="en-GB"/>
           </a:p>
@@ -4623,21 +4628,13 @@
             </a:r>
             <a:r>
               <a:rPr lang="en-GB" dirty="0"/>
-              <a:t> properly for the first time, allowing us to learn about fixing pipelines; how to pull, push, commit, merge etc; Creating a project through version control.</a:t>
+              <a:t> properly for the first time, allowing us to learn about fixing pipelines; how to pull, push, commit, merge etc; Creating a project through version control. We also utilised branches within our project, allowing the programming cycle to be much easier</a:t>
             </a:r>
           </a:p>
           <a:p>
             <a:r>
               <a:rPr lang="en-GB" dirty="0"/>
-              <a:t> It also allowed us to collaborate with </a:t>
-            </a:r>
-            <a:r>
-              <a:rPr lang="en-GB" dirty="0" err="1"/>
-              <a:t>eachother</a:t>
-            </a:r>
-            <a:r>
-              <a:rPr lang="en-GB" dirty="0"/>
-              <a:t> easier and allow for an easier development, especially with the use of the issue board.</a:t>
+              <a:t> It also allowed us to collaborate with each other easier and allow for an easier development, especially with the use of the issue board.</a:t>
             </a:r>
           </a:p>
         </p:txBody>
